--- a/analyses/casestudy1_brca/results/Figures/brcaResults.pptx
+++ b/analyses/casestudy1_brca/results/Figures/brcaResults.pptx
@@ -197,7 +197,7 @@
           <a:p>
             <a:fld id="{6A559A61-C327-6842-9F56-D3382ED1E30D}" type="datetimeFigureOut">
               <a:rPr lang="en-US" smtClean="0"/>
-              <a:t>1/30/18</a:t>
+              <a:t>2/10/18</a:t>
             </a:fld>
             <a:endParaRPr lang="en-US"/>
           </a:p>
@@ -596,7 +596,7 @@
           <a:p>
             <a:fld id="{8A508DC1-056E-3D4C-9FFA-5331495A8A6D}" type="datetimeFigureOut">
               <a:rPr lang="en-US" smtClean="0"/>
-              <a:t>1/30/18</a:t>
+              <a:t>2/10/18</a:t>
             </a:fld>
             <a:endParaRPr lang="en-US"/>
           </a:p>
@@ -761,7 +761,7 @@
           <a:p>
             <a:fld id="{8A508DC1-056E-3D4C-9FFA-5331495A8A6D}" type="datetimeFigureOut">
               <a:rPr lang="en-US" smtClean="0"/>
-              <a:t>1/30/18</a:t>
+              <a:t>2/10/18</a:t>
             </a:fld>
             <a:endParaRPr lang="en-US"/>
           </a:p>
@@ -936,7 +936,7 @@
           <a:p>
             <a:fld id="{8A508DC1-056E-3D4C-9FFA-5331495A8A6D}" type="datetimeFigureOut">
               <a:rPr lang="en-US" smtClean="0"/>
-              <a:t>1/30/18</a:t>
+              <a:t>2/10/18</a:t>
             </a:fld>
             <a:endParaRPr lang="en-US"/>
           </a:p>
@@ -1101,7 +1101,7 @@
           <a:p>
             <a:fld id="{8A508DC1-056E-3D4C-9FFA-5331495A8A6D}" type="datetimeFigureOut">
               <a:rPr lang="en-US" smtClean="0"/>
-              <a:t>1/30/18</a:t>
+              <a:t>2/10/18</a:t>
             </a:fld>
             <a:endParaRPr lang="en-US"/>
           </a:p>
@@ -1340,7 +1340,7 @@
           <a:p>
             <a:fld id="{8A508DC1-056E-3D4C-9FFA-5331495A8A6D}" type="datetimeFigureOut">
               <a:rPr lang="en-US" smtClean="0"/>
-              <a:t>1/30/18</a:t>
+              <a:t>2/10/18</a:t>
             </a:fld>
             <a:endParaRPr lang="en-US"/>
           </a:p>
@@ -1567,7 +1567,7 @@
           <a:p>
             <a:fld id="{8A508DC1-056E-3D4C-9FFA-5331495A8A6D}" type="datetimeFigureOut">
               <a:rPr lang="en-US" smtClean="0"/>
-              <a:t>1/30/18</a:t>
+              <a:t>2/10/18</a:t>
             </a:fld>
             <a:endParaRPr lang="en-US"/>
           </a:p>
@@ -1929,7 +1929,7 @@
           <a:p>
             <a:fld id="{8A508DC1-056E-3D4C-9FFA-5331495A8A6D}" type="datetimeFigureOut">
               <a:rPr lang="en-US" smtClean="0"/>
-              <a:t>1/30/18</a:t>
+              <a:t>2/10/18</a:t>
             </a:fld>
             <a:endParaRPr lang="en-US"/>
           </a:p>
@@ -2042,7 +2042,7 @@
           <a:p>
             <a:fld id="{8A508DC1-056E-3D4C-9FFA-5331495A8A6D}" type="datetimeFigureOut">
               <a:rPr lang="en-US" smtClean="0"/>
-              <a:t>1/30/18</a:t>
+              <a:t>2/10/18</a:t>
             </a:fld>
             <a:endParaRPr lang="en-US"/>
           </a:p>
@@ -2132,7 +2132,7 @@
           <a:p>
             <a:fld id="{8A508DC1-056E-3D4C-9FFA-5331495A8A6D}" type="datetimeFigureOut">
               <a:rPr lang="en-US" smtClean="0"/>
-              <a:t>1/30/18</a:t>
+              <a:t>2/10/18</a:t>
             </a:fld>
             <a:endParaRPr lang="en-US"/>
           </a:p>
@@ -2404,7 +2404,7 @@
           <a:p>
             <a:fld id="{8A508DC1-056E-3D4C-9FFA-5331495A8A6D}" type="datetimeFigureOut">
               <a:rPr lang="en-US" smtClean="0"/>
-              <a:t>1/30/18</a:t>
+              <a:t>2/10/18</a:t>
             </a:fld>
             <a:endParaRPr lang="en-US"/>
           </a:p>
@@ -2656,7 +2656,7 @@
           <a:p>
             <a:fld id="{8A508DC1-056E-3D4C-9FFA-5331495A8A6D}" type="datetimeFigureOut">
               <a:rPr lang="en-US" smtClean="0"/>
-              <a:t>1/30/18</a:t>
+              <a:t>2/10/18</a:t>
             </a:fld>
             <a:endParaRPr lang="en-US"/>
           </a:p>
@@ -2864,7 +2864,7 @@
           <a:p>
             <a:fld id="{8A508DC1-056E-3D4C-9FFA-5331495A8A6D}" type="datetimeFigureOut">
               <a:rPr lang="en-US" smtClean="0"/>
-              <a:t>1/30/18</a:t>
+              <a:t>2/10/18</a:t>
             </a:fld>
             <a:endParaRPr lang="en-US"/>
           </a:p>
@@ -3589,6 +3589,42 @@
           </a:prstGeom>
         </p:spPr>
       </p:pic>
+      <p:sp>
+        <p:nvSpPr>
+          <p:cNvPr id="7" name="TextBox 6"/>
+          <p:cNvSpPr txBox="1"/>
+          <p:nvPr/>
+        </p:nvSpPr>
+        <p:spPr>
+          <a:xfrm>
+            <a:off x="15180357" y="424274"/>
+            <a:ext cx="3051601" cy="767261"/>
+          </a:xfrm>
+          <a:prstGeom prst="rect">
+            <a:avLst/>
+          </a:prstGeom>
+          <a:noFill/>
+        </p:spPr>
+        <p:txBody>
+          <a:bodyPr wrap="square" rtlCol="0">
+            <a:spAutoFit/>
+          </a:bodyPr>
+          <a:lstStyle/>
+          <a:p>
+            <a:r>
+              <a:rPr lang="en-US" dirty="0" smtClean="0"/>
+              <a:t>Ellipses: training data</a:t>
+            </a:r>
+          </a:p>
+          <a:p>
+            <a:r>
+              <a:rPr lang="en-US" dirty="0" smtClean="0"/>
+              <a:t>Points: test data</a:t>
+            </a:r>
+            <a:endParaRPr lang="en-US" dirty="0"/>
+          </a:p>
+        </p:txBody>
+      </p:sp>
     </p:spTree>
     <p:extLst>
       <p:ext uri="{BB962C8B-B14F-4D97-AF65-F5344CB8AC3E}">
